--- a/presentation.pptx
+++ b/presentation.pptx
@@ -9,7 +9,9 @@
     <p:sldId id="258" r:id="rId3"/>
     <p:sldId id="263" r:id="rId4"/>
     <p:sldId id="264" r:id="rId5"/>
-    <p:sldId id="262" r:id="rId6"/>
+    <p:sldId id="265" r:id="rId6"/>
+    <p:sldId id="266" r:id="rId7"/>
+    <p:sldId id="262" r:id="rId8"/>
   </p:sldIdLst>
   <p:sldSz cx="12192000" cy="6858000"/>
   <p:notesSz cx="6858000" cy="9144000"/>
@@ -470,7 +472,358 @@
 </c:chartSpace>
 </file>
 
+<file path=ppt/charts/chart2.xml><?xml version="1.0" encoding="utf-8"?>
+<c:chartSpace xmlns:c="http://schemas.openxmlformats.org/drawingml/2006/chart" xmlns:a="http://schemas.openxmlformats.org/drawingml/2006/main" xmlns:r="http://schemas.openxmlformats.org/officeDocument/2006/relationships" xmlns:c16r2="http://schemas.microsoft.com/office/drawing/2015/06/chart">
+  <c:date1904 val="0"/>
+  <c:lang val="en-US"/>
+  <c:roundedCorners val="0"/>
+  <mc:AlternateContent xmlns:mc="http://schemas.openxmlformats.org/markup-compatibility/2006">
+    <mc:Choice xmlns:c14="http://schemas.microsoft.com/office/drawing/2007/8/2/chart" Requires="c14">
+      <c14:style val="102"/>
+    </mc:Choice>
+    <mc:Fallback>
+      <c:style val="2"/>
+    </mc:Fallback>
+  </mc:AlternateContent>
+  <c:chart>
+    <c:title>
+      <c:tx>
+        <c:rich>
+          <a:bodyPr rot="0" spcFirstLastPara="1" vertOverflow="ellipsis" vert="horz" wrap="square" anchor="ctr" anchorCtr="1"/>
+          <a:lstStyle/>
+          <a:p>
+            <a:pPr>
+              <a:defRPr sz="2040" b="0" i="0" u="none" strike="noStrike" kern="1200" spc="0" baseline="0">
+                <a:solidFill>
+                  <a:schemeClr val="tx1">
+                    <a:lumMod val="65000"/>
+                    <a:lumOff val="35000"/>
+                  </a:schemeClr>
+                </a:solidFill>
+                <a:latin typeface="+mn-lt"/>
+                <a:ea typeface="+mn-ea"/>
+                <a:cs typeface="+mn-cs"/>
+              </a:defRPr>
+            </a:pPr>
+            <a:r>
+              <a:rPr lang="en-US" sz="2200" dirty="0"/>
+              <a:t>Net Sales By Region</a:t>
+            </a:r>
+          </a:p>
+          <a:p>
+            <a:pPr>
+              <a:defRPr/>
+            </a:pPr>
+            <a:r>
+              <a:rPr lang="en-US" sz="1600" dirty="0"/>
+              <a:t>Jul 2012 - May 2014</a:t>
+            </a:r>
+          </a:p>
+        </c:rich>
+      </c:tx>
+      <c:overlay val="0"/>
+      <c:spPr>
+        <a:noFill/>
+        <a:ln>
+          <a:noFill/>
+        </a:ln>
+        <a:effectLst/>
+      </c:spPr>
+      <c:txPr>
+        <a:bodyPr rot="0" spcFirstLastPara="1" vertOverflow="ellipsis" vert="horz" wrap="square" anchor="ctr" anchorCtr="1"/>
+        <a:lstStyle/>
+        <a:p>
+          <a:pPr>
+            <a:defRPr sz="2040" b="0" i="0" u="none" strike="noStrike" kern="1200" spc="0" baseline="0">
+              <a:solidFill>
+                <a:schemeClr val="tx1">
+                  <a:lumMod val="65000"/>
+                  <a:lumOff val="35000"/>
+                </a:schemeClr>
+              </a:solidFill>
+              <a:latin typeface="+mn-lt"/>
+              <a:ea typeface="+mn-ea"/>
+              <a:cs typeface="+mn-cs"/>
+            </a:defRPr>
+          </a:pPr>
+          <a:endParaRPr lang="en-US"/>
+        </a:p>
+      </c:txPr>
+    </c:title>
+    <c:autoTitleDeleted val="0"/>
+    <c:plotArea>
+      <c:layout/>
+      <c:pieChart>
+        <c:varyColors val="1"/>
+        <c:ser>
+          <c:idx val="0"/>
+          <c:order val="0"/>
+          <c:tx>
+            <c:strRef>
+              <c:f>Sheet2!$B$1</c:f>
+              <c:strCache>
+                <c:ptCount val="1"/>
+                <c:pt idx="0">
+                  <c:v>Net Sales</c:v>
+                </c:pt>
+              </c:strCache>
+            </c:strRef>
+          </c:tx>
+          <c:dPt>
+            <c:idx val="0"/>
+            <c:bubble3D val="0"/>
+            <c:spPr>
+              <a:solidFill>
+                <a:schemeClr val="accent1"/>
+              </a:solidFill>
+              <a:ln w="19050">
+                <a:solidFill>
+                  <a:schemeClr val="lt1"/>
+                </a:solidFill>
+              </a:ln>
+              <a:effectLst/>
+            </c:spPr>
+            <c:extLst>
+              <c:ext xmlns:c16="http://schemas.microsoft.com/office/drawing/2014/chart" uri="{C3380CC4-5D6E-409C-BE32-E72D297353CC}">
+                <c16:uniqueId val="{00000001-D2A3-4FCD-97D2-075DC42BF229}"/>
+              </c:ext>
+            </c:extLst>
+          </c:dPt>
+          <c:dPt>
+            <c:idx val="1"/>
+            <c:bubble3D val="0"/>
+            <c:spPr>
+              <a:solidFill>
+                <a:schemeClr val="accent2"/>
+              </a:solidFill>
+              <a:ln w="19050">
+                <a:solidFill>
+                  <a:schemeClr val="lt1"/>
+                </a:solidFill>
+              </a:ln>
+              <a:effectLst/>
+            </c:spPr>
+            <c:extLst>
+              <c:ext xmlns:c16="http://schemas.microsoft.com/office/drawing/2014/chart" uri="{C3380CC4-5D6E-409C-BE32-E72D297353CC}">
+                <c16:uniqueId val="{00000003-D2A3-4FCD-97D2-075DC42BF229}"/>
+              </c:ext>
+            </c:extLst>
+          </c:dPt>
+          <c:dLbls>
+            <c:spPr>
+              <a:noFill/>
+              <a:ln>
+                <a:noFill/>
+              </a:ln>
+              <a:effectLst/>
+            </c:spPr>
+            <c:txPr>
+              <a:bodyPr rot="0" spcFirstLastPara="1" vertOverflow="ellipsis" vert="horz" wrap="square" anchor="ctr" anchorCtr="1"/>
+              <a:lstStyle/>
+              <a:p>
+                <a:pPr>
+                  <a:defRPr sz="1700" b="0" i="0" u="none" strike="noStrike" kern="1200" baseline="0">
+                    <a:solidFill>
+                      <a:schemeClr val="tx1">
+                        <a:lumMod val="75000"/>
+                        <a:lumOff val="25000"/>
+                      </a:schemeClr>
+                    </a:solidFill>
+                    <a:latin typeface="+mn-lt"/>
+                    <a:ea typeface="+mn-ea"/>
+                    <a:cs typeface="+mn-cs"/>
+                  </a:defRPr>
+                </a:pPr>
+                <a:endParaRPr lang="en-US"/>
+              </a:p>
+            </c:txPr>
+            <c:dLblPos val="outEnd"/>
+            <c:showLegendKey val="0"/>
+            <c:showVal val="1"/>
+            <c:showCatName val="0"/>
+            <c:showSerName val="0"/>
+            <c:showPercent val="0"/>
+            <c:showBubbleSize val="0"/>
+            <c:showLeaderLines val="1"/>
+            <c:leaderLines>
+              <c:spPr>
+                <a:ln w="9525" cap="flat" cmpd="sng" algn="ctr">
+                  <a:solidFill>
+                    <a:schemeClr val="tx1">
+                      <a:lumMod val="35000"/>
+                      <a:lumOff val="65000"/>
+                    </a:schemeClr>
+                  </a:solidFill>
+                  <a:round/>
+                </a:ln>
+                <a:effectLst/>
+              </c:spPr>
+            </c:leaderLines>
+            <c:extLst>
+              <c:ext xmlns:c15="http://schemas.microsoft.com/office/drawing/2012/chart" uri="{CE6537A1-D6FC-4f65-9D91-7224C49458BB}"/>
+            </c:extLst>
+          </c:dLbls>
+          <c:cat>
+            <c:strRef>
+              <c:f>Sheet2!$A$2:$A$3</c:f>
+              <c:strCache>
+                <c:ptCount val="2"/>
+                <c:pt idx="0">
+                  <c:v>British Isles</c:v>
+                </c:pt>
+                <c:pt idx="1">
+                  <c:v>North America</c:v>
+                </c:pt>
+              </c:strCache>
+            </c:strRef>
+          </c:cat>
+          <c:val>
+            <c:numRef>
+              <c:f>Sheet2!$B$2:$B$3</c:f>
+              <c:numCache>
+                <c:formatCode>_("$"* #,##0_);_("$"* \(#,##0\);_("$"* "-"??_);_(@_)</c:formatCode>
+                <c:ptCount val="2"/>
+                <c:pt idx="0">
+                  <c:v>3480.6233689999999</c:v>
+                </c:pt>
+                <c:pt idx="1">
+                  <c:v>9305.1649089999992</c:v>
+                </c:pt>
+              </c:numCache>
+            </c:numRef>
+          </c:val>
+          <c:extLst>
+            <c:ext xmlns:c16="http://schemas.microsoft.com/office/drawing/2014/chart" uri="{C3380CC4-5D6E-409C-BE32-E72D297353CC}">
+              <c16:uniqueId val="{00000004-D2A3-4FCD-97D2-075DC42BF229}"/>
+            </c:ext>
+          </c:extLst>
+        </c:ser>
+        <c:dLbls>
+          <c:dLblPos val="outEnd"/>
+          <c:showLegendKey val="0"/>
+          <c:showVal val="1"/>
+          <c:showCatName val="0"/>
+          <c:showSerName val="0"/>
+          <c:showPercent val="0"/>
+          <c:showBubbleSize val="0"/>
+          <c:showLeaderLines val="1"/>
+        </c:dLbls>
+        <c:firstSliceAng val="0"/>
+      </c:pieChart>
+      <c:spPr>
+        <a:noFill/>
+        <a:ln>
+          <a:noFill/>
+        </a:ln>
+        <a:effectLst/>
+      </c:spPr>
+    </c:plotArea>
+    <c:legend>
+      <c:legendPos val="b"/>
+      <c:overlay val="0"/>
+      <c:spPr>
+        <a:noFill/>
+        <a:ln>
+          <a:noFill/>
+        </a:ln>
+        <a:effectLst/>
+      </c:spPr>
+      <c:txPr>
+        <a:bodyPr rot="0" spcFirstLastPara="1" vertOverflow="ellipsis" vert="horz" wrap="square" anchor="ctr" anchorCtr="1"/>
+        <a:lstStyle/>
+        <a:p>
+          <a:pPr>
+            <a:defRPr sz="1700" b="0" i="0" u="none" strike="noStrike" kern="1200" baseline="0">
+              <a:solidFill>
+                <a:schemeClr val="tx1">
+                  <a:lumMod val="65000"/>
+                  <a:lumOff val="35000"/>
+                </a:schemeClr>
+              </a:solidFill>
+              <a:latin typeface="+mn-lt"/>
+              <a:ea typeface="+mn-ea"/>
+              <a:cs typeface="+mn-cs"/>
+            </a:defRPr>
+          </a:pPr>
+          <a:endParaRPr lang="en-US"/>
+        </a:p>
+      </c:txPr>
+    </c:legend>
+    <c:plotVisOnly val="1"/>
+    <c:dispBlanksAs val="gap"/>
+    <c:extLst>
+      <c:ext xmlns:c16r3="http://schemas.microsoft.com/office/drawing/2017/03/chart" uri="{56B9EC1D-385E-4148-901F-78D8002777C0}">
+        <c16r3:dataDisplayOptions16>
+          <c16r3:dispNaAsBlank val="1"/>
+        </c16r3:dataDisplayOptions16>
+      </c:ext>
+    </c:extLst>
+    <c:showDLblsOverMax val="0"/>
+  </c:chart>
+  <c:spPr>
+    <a:noFill/>
+    <a:ln>
+      <a:noFill/>
+    </a:ln>
+    <a:effectLst/>
+  </c:spPr>
+  <c:txPr>
+    <a:bodyPr/>
+    <a:lstStyle/>
+    <a:p>
+      <a:pPr>
+        <a:defRPr sz="1700"/>
+      </a:pPr>
+      <a:endParaRPr lang="en-US"/>
+    </a:p>
+  </c:txPr>
+  <c:externalData r:id="rId3">
+    <c:autoUpdate val="0"/>
+  </c:externalData>
+</c:chartSpace>
+</file>
+
 <file path=ppt/charts/colors1.xml><?xml version="1.0" encoding="utf-8"?>
+<cs:colorStyle xmlns:cs="http://schemas.microsoft.com/office/drawing/2012/chartStyle" xmlns:a="http://schemas.openxmlformats.org/drawingml/2006/main" meth="cycle" id="10">
+  <a:schemeClr val="accent1"/>
+  <a:schemeClr val="accent2"/>
+  <a:schemeClr val="accent3"/>
+  <a:schemeClr val="accent4"/>
+  <a:schemeClr val="accent5"/>
+  <a:schemeClr val="accent6"/>
+  <cs:variation/>
+  <cs:variation>
+    <a:lumMod val="60000"/>
+  </cs:variation>
+  <cs:variation>
+    <a:lumMod val="80000"/>
+    <a:lumOff val="20000"/>
+  </cs:variation>
+  <cs:variation>
+    <a:lumMod val="80000"/>
+  </cs:variation>
+  <cs:variation>
+    <a:lumMod val="60000"/>
+    <a:lumOff val="40000"/>
+  </cs:variation>
+  <cs:variation>
+    <a:lumMod val="50000"/>
+  </cs:variation>
+  <cs:variation>
+    <a:lumMod val="70000"/>
+    <a:lumOff val="30000"/>
+  </cs:variation>
+  <cs:variation>
+    <a:lumMod val="70000"/>
+  </cs:variation>
+  <cs:variation>
+    <a:lumMod val="50000"/>
+    <a:lumOff val="50000"/>
+  </cs:variation>
+</cs:colorStyle>
+</file>
+
+<file path=ppt/charts/colors2.xml><?xml version="1.0" encoding="utf-8"?>
 <cs:colorStyle xmlns:cs="http://schemas.microsoft.com/office/drawing/2012/chartStyle" xmlns:a="http://schemas.openxmlformats.org/drawingml/2006/main" meth="cycle" id="10">
   <a:schemeClr val="accent1"/>
   <a:schemeClr val="accent2"/>
@@ -981,6 +1334,525 @@
             <a:lumOff val="85000"/>
           </a:schemeClr>
         </a:solidFill>
+      </a:ln>
+    </cs:spPr>
+  </cs:upBar>
+  <cs:valueAxis>
+    <cs:lnRef idx="0"/>
+    <cs:fillRef idx="0"/>
+    <cs:effectRef idx="0"/>
+    <cs:fontRef idx="minor">
+      <a:schemeClr val="tx1">
+        <a:lumMod val="65000"/>
+        <a:lumOff val="35000"/>
+      </a:schemeClr>
+    </cs:fontRef>
+    <cs:defRPr sz="900" kern="1200"/>
+  </cs:valueAxis>
+  <cs:wall>
+    <cs:lnRef idx="0"/>
+    <cs:fillRef idx="0"/>
+    <cs:effectRef idx="0"/>
+    <cs:fontRef idx="minor">
+      <a:schemeClr val="tx1"/>
+    </cs:fontRef>
+    <cs:spPr>
+      <a:noFill/>
+      <a:ln>
+        <a:noFill/>
+      </a:ln>
+    </cs:spPr>
+  </cs:wall>
+</cs:chartStyle>
+</file>
+
+<file path=ppt/charts/style2.xml><?xml version="1.0" encoding="utf-8"?>
+<cs:chartStyle xmlns:cs="http://schemas.microsoft.com/office/drawing/2012/chartStyle" xmlns:a="http://schemas.openxmlformats.org/drawingml/2006/main" id="251">
+  <cs:axisTitle>
+    <cs:lnRef idx="0"/>
+    <cs:fillRef idx="0"/>
+    <cs:effectRef idx="0"/>
+    <cs:fontRef idx="minor">
+      <a:schemeClr val="tx1">
+        <a:lumMod val="65000"/>
+        <a:lumOff val="35000"/>
+      </a:schemeClr>
+    </cs:fontRef>
+    <cs:defRPr sz="1000" kern="1200"/>
+  </cs:axisTitle>
+  <cs:categoryAxis>
+    <cs:lnRef idx="0"/>
+    <cs:fillRef idx="0"/>
+    <cs:effectRef idx="0"/>
+    <cs:fontRef idx="minor">
+      <a:schemeClr val="tx1">
+        <a:lumMod val="65000"/>
+        <a:lumOff val="35000"/>
+      </a:schemeClr>
+    </cs:fontRef>
+    <cs:spPr>
+      <a:ln w="9525" cap="flat" cmpd="sng" algn="ctr">
+        <a:solidFill>
+          <a:schemeClr val="tx1">
+            <a:lumMod val="15000"/>
+            <a:lumOff val="85000"/>
+          </a:schemeClr>
+        </a:solidFill>
+        <a:round/>
+      </a:ln>
+    </cs:spPr>
+    <cs:defRPr sz="900" kern="1200"/>
+  </cs:categoryAxis>
+  <cs:chartArea mods="allowNoFillOverride allowNoLineOverride">
+    <cs:lnRef idx="0"/>
+    <cs:fillRef idx="0"/>
+    <cs:effectRef idx="0"/>
+    <cs:fontRef idx="minor">
+      <a:schemeClr val="tx1"/>
+    </cs:fontRef>
+    <cs:spPr>
+      <a:solidFill>
+        <a:schemeClr val="bg1"/>
+      </a:solidFill>
+      <a:ln w="9525" cap="flat" cmpd="sng" algn="ctr">
+        <a:solidFill>
+          <a:schemeClr val="tx1">
+            <a:lumMod val="15000"/>
+            <a:lumOff val="85000"/>
+          </a:schemeClr>
+        </a:solidFill>
+        <a:round/>
+      </a:ln>
+    </cs:spPr>
+    <cs:defRPr sz="900" kern="1200"/>
+  </cs:chartArea>
+  <cs:dataLabel>
+    <cs:lnRef idx="0"/>
+    <cs:fillRef idx="0"/>
+    <cs:effectRef idx="0"/>
+    <cs:fontRef idx="minor">
+      <a:schemeClr val="tx1">
+        <a:lumMod val="75000"/>
+        <a:lumOff val="25000"/>
+      </a:schemeClr>
+    </cs:fontRef>
+    <cs:defRPr sz="900" kern="1200"/>
+  </cs:dataLabel>
+  <cs:dataLabelCallout>
+    <cs:lnRef idx="0"/>
+    <cs:fillRef idx="0"/>
+    <cs:effectRef idx="0"/>
+    <cs:fontRef idx="minor">
+      <a:schemeClr val="dk1">
+        <a:lumMod val="65000"/>
+        <a:lumOff val="35000"/>
+      </a:schemeClr>
+    </cs:fontRef>
+    <cs:spPr>
+      <a:solidFill>
+        <a:schemeClr val="lt1"/>
+      </a:solidFill>
+      <a:ln>
+        <a:solidFill>
+          <a:schemeClr val="dk1">
+            <a:lumMod val="25000"/>
+            <a:lumOff val="75000"/>
+          </a:schemeClr>
+        </a:solidFill>
+      </a:ln>
+    </cs:spPr>
+    <cs:defRPr sz="900" kern="1200"/>
+    <cs:bodyPr rot="0" spcFirstLastPara="1" vertOverflow="clip" horzOverflow="clip" vert="horz" wrap="square" lIns="36576" tIns="18288" rIns="36576" bIns="18288" anchor="ctr" anchorCtr="1">
+      <a:spAutoFit/>
+    </cs:bodyPr>
+  </cs:dataLabelCallout>
+  <cs:dataPoint>
+    <cs:lnRef idx="0"/>
+    <cs:fillRef idx="1">
+      <cs:styleClr val="auto"/>
+    </cs:fillRef>
+    <cs:effectRef idx="0"/>
+    <cs:fontRef idx="minor">
+      <a:schemeClr val="tx1"/>
+    </cs:fontRef>
+    <cs:spPr>
+      <a:ln w="19050">
+        <a:solidFill>
+          <a:schemeClr val="lt1"/>
+        </a:solidFill>
+      </a:ln>
+    </cs:spPr>
+  </cs:dataPoint>
+  <cs:dataPoint3D>
+    <cs:lnRef idx="0"/>
+    <cs:fillRef idx="1">
+      <cs:styleClr val="auto"/>
+    </cs:fillRef>
+    <cs:effectRef idx="0"/>
+    <cs:fontRef idx="minor">
+      <a:schemeClr val="tx1"/>
+    </cs:fontRef>
+    <cs:spPr>
+      <a:ln w="25400">
+        <a:solidFill>
+          <a:schemeClr val="lt1"/>
+        </a:solidFill>
+      </a:ln>
+    </cs:spPr>
+  </cs:dataPoint3D>
+  <cs:dataPointLine>
+    <cs:lnRef idx="0">
+      <cs:styleClr val="auto"/>
+    </cs:lnRef>
+    <cs:fillRef idx="0"/>
+    <cs:effectRef idx="0"/>
+    <cs:fontRef idx="minor">
+      <a:schemeClr val="tx1"/>
+    </cs:fontRef>
+    <cs:spPr>
+      <a:ln w="28575" cap="rnd">
+        <a:solidFill>
+          <a:schemeClr val="phClr"/>
+        </a:solidFill>
+        <a:round/>
+      </a:ln>
+    </cs:spPr>
+  </cs:dataPointLine>
+  <cs:dataPointMarker>
+    <cs:lnRef idx="0">
+      <cs:styleClr val="auto"/>
+    </cs:lnRef>
+    <cs:fillRef idx="1">
+      <cs:styleClr val="auto"/>
+    </cs:fillRef>
+    <cs:effectRef idx="0"/>
+    <cs:fontRef idx="minor">
+      <a:schemeClr val="tx1"/>
+    </cs:fontRef>
+    <cs:spPr>
+      <a:ln w="9525">
+        <a:solidFill>
+          <a:schemeClr val="phClr"/>
+        </a:solidFill>
+      </a:ln>
+    </cs:spPr>
+  </cs:dataPointMarker>
+  <cs:dataPointMarkerLayout symbol="circle" size="5"/>
+  <cs:dataPointWireframe>
+    <cs:lnRef idx="0">
+      <cs:styleClr val="auto"/>
+    </cs:lnRef>
+    <cs:fillRef idx="0"/>
+    <cs:effectRef idx="0"/>
+    <cs:fontRef idx="minor">
+      <a:schemeClr val="tx1"/>
+    </cs:fontRef>
+    <cs:spPr>
+      <a:ln w="9525" cap="rnd">
+        <a:solidFill>
+          <a:schemeClr val="phClr"/>
+        </a:solidFill>
+        <a:round/>
+      </a:ln>
+    </cs:spPr>
+  </cs:dataPointWireframe>
+  <cs:dataTable>
+    <cs:lnRef idx="0"/>
+    <cs:fillRef idx="0"/>
+    <cs:effectRef idx="0"/>
+    <cs:fontRef idx="minor">
+      <a:schemeClr val="tx1">
+        <a:lumMod val="65000"/>
+        <a:lumOff val="35000"/>
+      </a:schemeClr>
+    </cs:fontRef>
+    <cs:spPr>
+      <a:noFill/>
+      <a:ln w="9525" cap="flat" cmpd="sng" algn="ctr">
+        <a:solidFill>
+          <a:schemeClr val="tx1">
+            <a:lumMod val="15000"/>
+            <a:lumOff val="85000"/>
+          </a:schemeClr>
+        </a:solidFill>
+        <a:round/>
+      </a:ln>
+    </cs:spPr>
+    <cs:defRPr sz="900" kern="1200"/>
+  </cs:dataTable>
+  <cs:downBar>
+    <cs:lnRef idx="0"/>
+    <cs:fillRef idx="0"/>
+    <cs:effectRef idx="0"/>
+    <cs:fontRef idx="minor">
+      <a:schemeClr val="tx1"/>
+    </cs:fontRef>
+    <cs:spPr>
+      <a:solidFill>
+        <a:schemeClr val="dk1">
+          <a:lumMod val="75000"/>
+          <a:lumOff val="25000"/>
+        </a:schemeClr>
+      </a:solidFill>
+      <a:ln w="9525" cap="flat" cmpd="sng" algn="ctr">
+        <a:solidFill>
+          <a:schemeClr val="tx1">
+            <a:lumMod val="65000"/>
+            <a:lumOff val="35000"/>
+          </a:schemeClr>
+        </a:solidFill>
+        <a:round/>
+      </a:ln>
+    </cs:spPr>
+  </cs:downBar>
+  <cs:dropLine>
+    <cs:lnRef idx="0"/>
+    <cs:fillRef idx="0"/>
+    <cs:effectRef idx="0"/>
+    <cs:fontRef idx="minor">
+      <a:schemeClr val="tx1"/>
+    </cs:fontRef>
+    <cs:spPr>
+      <a:ln w="9525" cap="flat" cmpd="sng" algn="ctr">
+        <a:solidFill>
+          <a:schemeClr val="tx1">
+            <a:lumMod val="35000"/>
+            <a:lumOff val="65000"/>
+          </a:schemeClr>
+        </a:solidFill>
+        <a:round/>
+      </a:ln>
+    </cs:spPr>
+  </cs:dropLine>
+  <cs:errorBar>
+    <cs:lnRef idx="0"/>
+    <cs:fillRef idx="0"/>
+    <cs:effectRef idx="0"/>
+    <cs:fontRef idx="minor">
+      <a:schemeClr val="tx1"/>
+    </cs:fontRef>
+    <cs:spPr>
+      <a:ln w="9525" cap="flat" cmpd="sng" algn="ctr">
+        <a:solidFill>
+          <a:schemeClr val="tx1">
+            <a:lumMod val="65000"/>
+            <a:lumOff val="35000"/>
+          </a:schemeClr>
+        </a:solidFill>
+        <a:round/>
+      </a:ln>
+    </cs:spPr>
+  </cs:errorBar>
+  <cs:floor>
+    <cs:lnRef idx="0"/>
+    <cs:fillRef idx="0"/>
+    <cs:effectRef idx="0"/>
+    <cs:fontRef idx="minor">
+      <a:schemeClr val="tx1"/>
+    </cs:fontRef>
+    <cs:spPr>
+      <a:noFill/>
+      <a:ln>
+        <a:noFill/>
+      </a:ln>
+    </cs:spPr>
+  </cs:floor>
+  <cs:gridlineMajor>
+    <cs:lnRef idx="0"/>
+    <cs:fillRef idx="0"/>
+    <cs:effectRef idx="0"/>
+    <cs:fontRef idx="minor">
+      <a:schemeClr val="tx1"/>
+    </cs:fontRef>
+    <cs:spPr>
+      <a:ln w="9525" cap="flat" cmpd="sng" algn="ctr">
+        <a:solidFill>
+          <a:schemeClr val="tx1">
+            <a:lumMod val="15000"/>
+            <a:lumOff val="85000"/>
+          </a:schemeClr>
+        </a:solidFill>
+        <a:round/>
+      </a:ln>
+    </cs:spPr>
+  </cs:gridlineMajor>
+  <cs:gridlineMinor>
+    <cs:lnRef idx="0"/>
+    <cs:fillRef idx="0"/>
+    <cs:effectRef idx="0"/>
+    <cs:fontRef idx="minor">
+      <a:schemeClr val="tx1"/>
+    </cs:fontRef>
+    <cs:spPr>
+      <a:ln w="9525" cap="flat" cmpd="sng" algn="ctr">
+        <a:solidFill>
+          <a:schemeClr val="tx1">
+            <a:lumMod val="5000"/>
+            <a:lumOff val="95000"/>
+          </a:schemeClr>
+        </a:solidFill>
+        <a:round/>
+      </a:ln>
+    </cs:spPr>
+  </cs:gridlineMinor>
+  <cs:hiLoLine>
+    <cs:lnRef idx="0"/>
+    <cs:fillRef idx="0"/>
+    <cs:effectRef idx="0"/>
+    <cs:fontRef idx="minor">
+      <a:schemeClr val="tx1"/>
+    </cs:fontRef>
+    <cs:spPr>
+      <a:ln w="9525" cap="flat" cmpd="sng" algn="ctr">
+        <a:solidFill>
+          <a:schemeClr val="tx1">
+            <a:lumMod val="50000"/>
+            <a:lumOff val="50000"/>
+          </a:schemeClr>
+        </a:solidFill>
+        <a:round/>
+      </a:ln>
+    </cs:spPr>
+  </cs:hiLoLine>
+  <cs:leaderLine>
+    <cs:lnRef idx="0"/>
+    <cs:fillRef idx="0"/>
+    <cs:effectRef idx="0"/>
+    <cs:fontRef idx="minor">
+      <a:schemeClr val="tx1"/>
+    </cs:fontRef>
+    <cs:spPr>
+      <a:ln w="9525" cap="flat" cmpd="sng" algn="ctr">
+        <a:solidFill>
+          <a:schemeClr val="tx1">
+            <a:lumMod val="35000"/>
+            <a:lumOff val="65000"/>
+          </a:schemeClr>
+        </a:solidFill>
+        <a:round/>
+      </a:ln>
+    </cs:spPr>
+  </cs:leaderLine>
+  <cs:legend>
+    <cs:lnRef idx="0"/>
+    <cs:fillRef idx="0"/>
+    <cs:effectRef idx="0"/>
+    <cs:fontRef idx="minor">
+      <a:schemeClr val="tx1">
+        <a:lumMod val="65000"/>
+        <a:lumOff val="35000"/>
+      </a:schemeClr>
+    </cs:fontRef>
+    <cs:defRPr sz="900" kern="1200"/>
+  </cs:legend>
+  <cs:plotArea mods="allowNoFillOverride allowNoLineOverride">
+    <cs:lnRef idx="0"/>
+    <cs:fillRef idx="0"/>
+    <cs:effectRef idx="0"/>
+    <cs:fontRef idx="minor">
+      <a:schemeClr val="tx1"/>
+    </cs:fontRef>
+  </cs:plotArea>
+  <cs:plotArea3D mods="allowNoFillOverride allowNoLineOverride">
+    <cs:lnRef idx="0"/>
+    <cs:fillRef idx="0"/>
+    <cs:effectRef idx="0"/>
+    <cs:fontRef idx="minor">
+      <a:schemeClr val="tx1"/>
+    </cs:fontRef>
+  </cs:plotArea3D>
+  <cs:seriesAxis>
+    <cs:lnRef idx="0"/>
+    <cs:fillRef idx="0"/>
+    <cs:effectRef idx="0"/>
+    <cs:fontRef idx="minor">
+      <a:schemeClr val="tx1">
+        <a:lumMod val="65000"/>
+        <a:lumOff val="35000"/>
+      </a:schemeClr>
+    </cs:fontRef>
+    <cs:defRPr sz="900" kern="1200"/>
+  </cs:seriesAxis>
+  <cs:seriesLine>
+    <cs:lnRef idx="0"/>
+    <cs:fillRef idx="0"/>
+    <cs:effectRef idx="0"/>
+    <cs:fontRef idx="minor">
+      <a:schemeClr val="tx1"/>
+    </cs:fontRef>
+    <cs:spPr>
+      <a:ln w="9525" cap="flat" cmpd="sng" algn="ctr">
+        <a:solidFill>
+          <a:schemeClr val="tx1">
+            <a:lumMod val="35000"/>
+            <a:lumOff val="65000"/>
+          </a:schemeClr>
+        </a:solidFill>
+        <a:round/>
+      </a:ln>
+    </cs:spPr>
+  </cs:seriesLine>
+  <cs:title>
+    <cs:lnRef idx="0"/>
+    <cs:fillRef idx="0"/>
+    <cs:effectRef idx="0"/>
+    <cs:fontRef idx="minor">
+      <a:schemeClr val="tx1">
+        <a:lumMod val="65000"/>
+        <a:lumOff val="35000"/>
+      </a:schemeClr>
+    </cs:fontRef>
+    <cs:defRPr sz="1400" b="0" kern="1200" spc="0" baseline="0"/>
+  </cs:title>
+  <cs:trendline>
+    <cs:lnRef idx="0">
+      <cs:styleClr val="auto"/>
+    </cs:lnRef>
+    <cs:fillRef idx="0"/>
+    <cs:effectRef idx="0"/>
+    <cs:fontRef idx="minor">
+      <a:schemeClr val="tx1"/>
+    </cs:fontRef>
+    <cs:spPr>
+      <a:ln w="19050" cap="rnd">
+        <a:solidFill>
+          <a:schemeClr val="phClr"/>
+        </a:solidFill>
+        <a:prstDash val="sysDot"/>
+      </a:ln>
+    </cs:spPr>
+  </cs:trendline>
+  <cs:trendlineLabel>
+    <cs:lnRef idx="0"/>
+    <cs:fillRef idx="0"/>
+    <cs:effectRef idx="0"/>
+    <cs:fontRef idx="minor">
+      <a:schemeClr val="tx1">
+        <a:lumMod val="65000"/>
+        <a:lumOff val="35000"/>
+      </a:schemeClr>
+    </cs:fontRef>
+    <cs:defRPr sz="900" kern="1200"/>
+  </cs:trendlineLabel>
+  <cs:upBar>
+    <cs:lnRef idx="0"/>
+    <cs:fillRef idx="0"/>
+    <cs:effectRef idx="0"/>
+    <cs:fontRef idx="minor">
+      <a:schemeClr val="tx1"/>
+    </cs:fontRef>
+    <cs:spPr>
+      <a:solidFill>
+        <a:schemeClr val="lt1"/>
+      </a:solidFill>
+      <a:ln w="9525" cap="flat" cmpd="sng" algn="ctr">
+        <a:solidFill>
+          <a:schemeClr val="tx1">
+            <a:lumMod val="65000"/>
+            <a:lumOff val="35000"/>
+          </a:schemeClr>
+        </a:solidFill>
+        <a:round/>
       </a:ln>
     </cs:spPr>
   </cs:upBar>
@@ -1759,7 +2631,7 @@
             <a:fld id="{B61BEF0D-F0BB-DE4B-95CE-6DB70DBA9567}" type="datetimeFigureOut">
               <a:rPr lang="en-US" dirty="0"/>
               <a:pPr/>
-              <a:t>3/18/2019</a:t>
+              <a:t>3/19/2019</a:t>
             </a:fld>
             <a:endParaRPr lang="en-US" dirty="0"/>
           </a:p>
@@ -2007,7 +2879,7 @@
             <a:fld id="{B61BEF0D-F0BB-DE4B-95CE-6DB70DBA9567}" type="datetimeFigureOut">
               <a:rPr lang="en-US" dirty="0"/>
               <a:pPr/>
-              <a:t>3/18/2019</a:t>
+              <a:t>3/19/2019</a:t>
             </a:fld>
             <a:endParaRPr lang="en-US" dirty="0"/>
           </a:p>
@@ -2318,7 +3190,7 @@
             <a:fld id="{B61BEF0D-F0BB-DE4B-95CE-6DB70DBA9567}" type="datetimeFigureOut">
               <a:rPr lang="en-US" dirty="0"/>
               <a:pPr/>
-              <a:t>3/18/2019</a:t>
+              <a:t>3/19/2019</a:t>
             </a:fld>
             <a:endParaRPr lang="en-US" dirty="0"/>
           </a:p>
@@ -2648,7 +3520,7 @@
             <a:fld id="{B61BEF0D-F0BB-DE4B-95CE-6DB70DBA9567}" type="datetimeFigureOut">
               <a:rPr lang="en-US" dirty="0"/>
               <a:pPr/>
-              <a:t>3/18/2019</a:t>
+              <a:t>3/19/2019</a:t>
             </a:fld>
             <a:endParaRPr lang="en-US" dirty="0"/>
           </a:p>
@@ -2959,7 +3831,7 @@
             <a:fld id="{B61BEF0D-F0BB-DE4B-95CE-6DB70DBA9567}" type="datetimeFigureOut">
               <a:rPr lang="en-US" dirty="0"/>
               <a:pPr/>
-              <a:t>3/18/2019</a:t>
+              <a:t>3/19/2019</a:t>
             </a:fld>
             <a:endParaRPr lang="en-US" dirty="0"/>
           </a:p>
@@ -3349,7 +4221,7 @@
             <a:fld id="{B61BEF0D-F0BB-DE4B-95CE-6DB70DBA9567}" type="datetimeFigureOut">
               <a:rPr lang="en-US" dirty="0"/>
               <a:pPr/>
-              <a:t>3/18/2019</a:t>
+              <a:t>3/19/2019</a:t>
             </a:fld>
             <a:endParaRPr lang="en-US" dirty="0"/>
           </a:p>
@@ -3515,7 +4387,7 @@
           <a:p>
             <a:fld id="{55C6B4A9-1611-4792-9094-5F34BCA07E0B}" type="datetimeFigureOut">
               <a:rPr lang="en-US" dirty="0"/>
-              <a:t>3/18/2019</a:t>
+              <a:t>3/19/2019</a:t>
             </a:fld>
             <a:endParaRPr lang="en-US" dirty="0"/>
           </a:p>
@@ -3691,7 +4563,7 @@
             <a:fld id="{B61BEF0D-F0BB-DE4B-95CE-6DB70DBA9567}" type="datetimeFigureOut">
               <a:rPr lang="en-US" dirty="0"/>
               <a:pPr/>
-              <a:t>3/18/2019</a:t>
+              <a:t>3/19/2019</a:t>
             </a:fld>
             <a:endParaRPr lang="en-US" dirty="0"/>
           </a:p>
@@ -3857,7 +4729,7 @@
           <a:p>
             <a:fld id="{42A54C80-263E-416B-A8E0-580EDEADCBDC}" type="datetimeFigureOut">
               <a:rPr lang="en-US" dirty="0"/>
-              <a:t>3/18/2019</a:t>
+              <a:t>3/19/2019</a:t>
             </a:fld>
             <a:endParaRPr lang="en-US" dirty="0"/>
           </a:p>
@@ -4100,7 +4972,7 @@
             <a:fld id="{B61BEF0D-F0BB-DE4B-95CE-6DB70DBA9567}" type="datetimeFigureOut">
               <a:rPr lang="en-US" dirty="0"/>
               <a:pPr/>
-              <a:t>3/18/2019</a:t>
+              <a:t>3/19/2019</a:t>
             </a:fld>
             <a:endParaRPr lang="en-US" dirty="0"/>
           </a:p>
@@ -4328,7 +5200,7 @@
           <a:p>
             <a:fld id="{42A54C80-263E-416B-A8E0-580EDEADCBDC}" type="datetimeFigureOut">
               <a:rPr lang="en-US" dirty="0"/>
-              <a:t>3/18/2019</a:t>
+              <a:t>3/19/2019</a:t>
             </a:fld>
             <a:endParaRPr lang="en-US" dirty="0"/>
           </a:p>
@@ -4698,7 +5570,7 @@
             <a:fld id="{B61BEF0D-F0BB-DE4B-95CE-6DB70DBA9567}" type="datetimeFigureOut">
               <a:rPr lang="en-US" dirty="0"/>
               <a:pPr/>
-              <a:t>3/18/2019</a:t>
+              <a:t>3/19/2019</a:t>
             </a:fld>
             <a:endParaRPr lang="en-US" dirty="0"/>
           </a:p>
@@ -4818,7 +5690,7 @@
             <a:fld id="{B61BEF0D-F0BB-DE4B-95CE-6DB70DBA9567}" type="datetimeFigureOut">
               <a:rPr lang="en-US" dirty="0"/>
               <a:pPr/>
-              <a:t>3/18/2019</a:t>
+              <a:t>3/19/2019</a:t>
             </a:fld>
             <a:endParaRPr lang="en-US" dirty="0"/>
           </a:p>
@@ -4910,7 +5782,7 @@
             <a:fld id="{B61BEF0D-F0BB-DE4B-95CE-6DB70DBA9567}" type="datetimeFigureOut">
               <a:rPr lang="en-US" dirty="0"/>
               <a:pPr/>
-              <a:t>3/18/2019</a:t>
+              <a:t>3/19/2019</a:t>
             </a:fld>
             <a:endParaRPr lang="en-US" dirty="0"/>
           </a:p>
@@ -5161,7 +6033,7 @@
           <a:p>
             <a:fld id="{42A54C80-263E-416B-A8E0-580EDEADCBDC}" type="datetimeFigureOut">
               <a:rPr lang="en-US" dirty="0"/>
-              <a:t>3/18/2019</a:t>
+              <a:t>3/19/2019</a:t>
             </a:fld>
             <a:endParaRPr lang="en-US" dirty="0"/>
           </a:p>
@@ -5463,7 +6335,7 @@
             <a:fld id="{B61BEF0D-F0BB-DE4B-95CE-6DB70DBA9567}" type="datetimeFigureOut">
               <a:rPr lang="en-US" dirty="0"/>
               <a:pPr/>
-              <a:t>3/18/2019</a:t>
+              <a:t>3/19/2019</a:t>
             </a:fld>
             <a:endParaRPr lang="en-US" dirty="0"/>
           </a:p>
@@ -6161,7 +7033,7 @@
             <a:fld id="{B61BEF0D-F0BB-DE4B-95CE-6DB70DBA9567}" type="datetimeFigureOut">
               <a:rPr lang="en-US" dirty="0"/>
               <a:pPr/>
-              <a:t>3/18/2019</a:t>
+              <a:t>3/19/2019</a:t>
             </a:fld>
             <a:endParaRPr lang="en-US" dirty="0"/>
           </a:p>
@@ -6842,36 +7714,36 @@
             </a:r>
           </a:p>
           <a:p>
+            <a:endParaRPr lang="en-US" dirty="0"/>
+          </a:p>
+          <a:p>
             <a:r>
               <a:rPr lang="en-US" dirty="0"/>
-              <a:t>Our database includes many features of these orders, including the following:</a:t>
+              <a:t>These analyses have two organizing themes:</a:t>
             </a:r>
           </a:p>
           <a:p>
             <a:pPr lvl="1"/>
             <a:r>
               <a:rPr lang="en-US" dirty="0"/>
-              <a:t>Order date</a:t>
+              <a:t>What is the relationship between discounts and quantity of items purchased?</a:t>
             </a:r>
           </a:p>
           <a:p>
             <a:pPr lvl="1"/>
             <a:r>
               <a:rPr lang="en-US" dirty="0"/>
-              <a:t>Product quantity, price, and discount</a:t>
-            </a:r>
-          </a:p>
-          <a:p>
-            <a:pPr lvl="1"/>
-            <a:r>
+              <a:t>What differences in sales do we see related to employees’ home region?</a:t>
+            </a:r>
+            <a:br>
               <a:rPr lang="en-US" dirty="0"/>
-              <a:t>Employee who processed the order</a:t>
-            </a:r>
+            </a:br>
+            <a:endParaRPr lang="en-US" dirty="0"/>
           </a:p>
           <a:p>
             <a:r>
               <a:rPr lang="en-US" dirty="0"/>
-              <a:t>These analyses may be helpful to Northwind Traders in a number of ways, such as:</a:t>
+              <a:t>These analyses may be helpful to Northwind Traders in a number of ways:</a:t>
             </a:r>
           </a:p>
           <a:p>
@@ -7110,14 +7982,14 @@
           <a:p>
             <a:r>
               <a:rPr lang="en-US" dirty="0"/>
-              <a:t>The observed increase in product quantity associated with discounts was seen for discounts of all sizes.</a:t>
+              <a:t>The observed increase in product quantity associated with discounts was seen for discounts of all sizes (e.g. 5% vs 25% discounts).</a:t>
             </a:r>
           </a:p>
           <a:p>
             <a:pPr lvl="1"/>
             <a:r>
               <a:rPr lang="en-US" dirty="0"/>
-              <a:t>There was no clear evidence that larger discounts produced larger effects.</a:t>
+              <a:t>There was no clear evidence that larger discounts had larger effects.</a:t>
             </a:r>
           </a:p>
           <a:p>
@@ -7126,7 +7998,7 @@
           <a:p>
             <a:r>
               <a:rPr lang="en-US" dirty="0"/>
-              <a:t>There was no evidence that there were different discount effects for different categories of product.</a:t>
+              <a:t>There was no evidence that discounts function differently for different categories of product (e.g. Dairy vs Meat).</a:t>
             </a:r>
           </a:p>
           <a:p>
@@ -7135,7 +8007,7 @@
           <a:p>
             <a:r>
               <a:rPr lang="en-US" dirty="0"/>
-              <a:t>The discount effect still remained after accounting for the fact that customers tend to purchase higher quantities of some items than others.</a:t>
+              <a:t>The discount effect was unchanged even after accounting for products that tend to be purchased in higher quantities, regardless of discount.</a:t>
             </a:r>
           </a:p>
         </p:txBody>
@@ -7175,6 +8047,242 @@
           <p:cNvPr id="2" name="Title 1">
             <a:extLst>
               <a:ext uri="{FF2B5EF4-FFF2-40B4-BE49-F238E27FC236}">
+                <a16:creationId xmlns:a16="http://schemas.microsoft.com/office/drawing/2014/main" id="{1C90D0B2-0DDC-4FF3-83D9-1CDD3D682C81}"/>
+              </a:ext>
+            </a:extLst>
+          </p:cNvPr>
+          <p:cNvSpPr>
+            <a:spLocks noGrp="1"/>
+          </p:cNvSpPr>
+          <p:nvPr>
+            <p:ph type="title"/>
+          </p:nvPr>
+        </p:nvSpPr>
+        <p:spPr/>
+        <p:txBody>
+          <a:bodyPr/>
+          <a:lstStyle/>
+          <a:p>
+            <a:r>
+              <a:rPr lang="en-US" dirty="0"/>
+              <a:t>Employees in North America Have More Net Sales</a:t>
+            </a:r>
+          </a:p>
+        </p:txBody>
+      </p:sp>
+      <p:sp>
+        <p:nvSpPr>
+          <p:cNvPr id="3" name="Content Placeholder 2">
+            <a:extLst>
+              <a:ext uri="{FF2B5EF4-FFF2-40B4-BE49-F238E27FC236}">
+                <a16:creationId xmlns:a16="http://schemas.microsoft.com/office/drawing/2014/main" id="{944514EF-42D0-40D4-8F84-FF9EB1A540B2}"/>
+              </a:ext>
+            </a:extLst>
+          </p:cNvPr>
+          <p:cNvSpPr>
+            <a:spLocks noGrp="1"/>
+          </p:cNvSpPr>
+          <p:nvPr>
+            <p:ph idx="1"/>
+          </p:nvPr>
+        </p:nvSpPr>
+        <p:spPr>
+          <a:xfrm>
+            <a:off x="5974080" y="2160589"/>
+            <a:ext cx="3299922" cy="3880773"/>
+          </a:xfrm>
+        </p:spPr>
+        <p:txBody>
+          <a:bodyPr/>
+          <a:lstStyle/>
+          <a:p>
+            <a:r>
+              <a:rPr lang="en-US" dirty="0"/>
+              <a:t>Orders in this dataset were processed by 5 employees in North America and 4 employees in the British Isles</a:t>
+            </a:r>
+          </a:p>
+          <a:p>
+            <a:endParaRPr lang="en-US" dirty="0"/>
+          </a:p>
+          <a:p>
+            <a:r>
+              <a:rPr lang="en-US" dirty="0"/>
+              <a:t>Net sales from North America are much greater than sales from the British Isles</a:t>
+            </a:r>
+          </a:p>
+          <a:p>
+            <a:endParaRPr lang="en-US" dirty="0"/>
+          </a:p>
+        </p:txBody>
+      </p:sp>
+      <p:graphicFrame>
+        <p:nvGraphicFramePr>
+          <p:cNvPr id="4" name="Chart 3">
+            <a:extLst>
+              <a:ext uri="{FF2B5EF4-FFF2-40B4-BE49-F238E27FC236}">
+                <a16:creationId xmlns:a16="http://schemas.microsoft.com/office/drawing/2014/main" id="{6A24B888-8C6F-41B0-83B9-D6619C52443A}"/>
+              </a:ext>
+            </a:extLst>
+          </p:cNvPr>
+          <p:cNvGraphicFramePr>
+            <a:graphicFrameLocks/>
+          </p:cNvGraphicFramePr>
+          <p:nvPr>
+            <p:extLst>
+              <p:ext uri="{D42A27DB-BD31-4B8C-83A1-F6EECF244321}">
+                <p14:modId xmlns:p14="http://schemas.microsoft.com/office/powerpoint/2010/main" val="2313366412"/>
+              </p:ext>
+            </p:extLst>
+          </p:nvPr>
+        </p:nvGraphicFramePr>
+        <p:xfrm>
+          <a:off x="677334" y="1930399"/>
+          <a:ext cx="4981786" cy="4526281"/>
+        </p:xfrm>
+        <a:graphic>
+          <a:graphicData uri="http://schemas.openxmlformats.org/drawingml/2006/chart">
+            <c:chart xmlns:c="http://schemas.openxmlformats.org/drawingml/2006/chart" xmlns:r="http://schemas.openxmlformats.org/officeDocument/2006/relationships" r:id="rId2"/>
+          </a:graphicData>
+        </a:graphic>
+      </p:graphicFrame>
+    </p:spTree>
+    <p:extLst>
+      <p:ext uri="{BB962C8B-B14F-4D97-AF65-F5344CB8AC3E}">
+        <p14:creationId xmlns:p14="http://schemas.microsoft.com/office/powerpoint/2010/main" val="2217063489"/>
+      </p:ext>
+    </p:extLst>
+  </p:cSld>
+  <p:clrMapOvr>
+    <a:masterClrMapping/>
+  </p:clrMapOvr>
+</p:sld>
+</file>
+
+<file path=ppt/slides/slide6.xml><?xml version="1.0" encoding="utf-8"?>
+<p:sld xmlns:a="http://schemas.openxmlformats.org/drawingml/2006/main" xmlns:r="http://schemas.openxmlformats.org/officeDocument/2006/relationships" xmlns:p="http://schemas.openxmlformats.org/presentationml/2006/main">
+  <p:cSld>
+    <p:spTree>
+      <p:nvGrpSpPr>
+        <p:cNvPr id="1" name=""/>
+        <p:cNvGrpSpPr/>
+        <p:nvPr/>
+      </p:nvGrpSpPr>
+      <p:grpSpPr>
+        <a:xfrm>
+          <a:off x="0" y="0"/>
+          <a:ext cx="0" cy="0"/>
+          <a:chOff x="0" y="0"/>
+          <a:chExt cx="0" cy="0"/>
+        </a:xfrm>
+      </p:grpSpPr>
+      <p:sp>
+        <p:nvSpPr>
+          <p:cNvPr id="2" name="Title 1">
+            <a:extLst>
+              <a:ext uri="{FF2B5EF4-FFF2-40B4-BE49-F238E27FC236}">
+                <a16:creationId xmlns:a16="http://schemas.microsoft.com/office/drawing/2014/main" id="{4FA0CD8F-726C-4335-B865-89AFAE7BF545}"/>
+              </a:ext>
+            </a:extLst>
+          </p:cNvPr>
+          <p:cNvSpPr>
+            <a:spLocks noGrp="1"/>
+          </p:cNvSpPr>
+          <p:nvPr>
+            <p:ph type="title"/>
+          </p:nvPr>
+        </p:nvSpPr>
+        <p:spPr/>
+        <p:txBody>
+          <a:bodyPr/>
+          <a:lstStyle/>
+          <a:p>
+            <a:r>
+              <a:rPr lang="en-US" dirty="0"/>
+              <a:t>Employee-Customer Region Match is Not Predictive of Order Counts</a:t>
+            </a:r>
+          </a:p>
+        </p:txBody>
+      </p:sp>
+      <p:sp>
+        <p:nvSpPr>
+          <p:cNvPr id="3" name="Content Placeholder 2">
+            <a:extLst>
+              <a:ext uri="{FF2B5EF4-FFF2-40B4-BE49-F238E27FC236}">
+                <a16:creationId xmlns:a16="http://schemas.microsoft.com/office/drawing/2014/main" id="{297CAFDD-709B-48C0-B9E1-99413BCA1F14}"/>
+              </a:ext>
+            </a:extLst>
+          </p:cNvPr>
+          <p:cNvSpPr>
+            <a:spLocks noGrp="1"/>
+          </p:cNvSpPr>
+          <p:nvPr>
+            <p:ph idx="1"/>
+          </p:nvPr>
+        </p:nvSpPr>
+        <p:spPr/>
+        <p:txBody>
+          <a:bodyPr/>
+          <a:lstStyle/>
+          <a:p>
+            <a:r>
+              <a:rPr lang="en-US" dirty="0"/>
+              <a:t>I explored whether customers who come from the same region as employees tended to submit more orders than customers from non-matching regions.</a:t>
+            </a:r>
+          </a:p>
+          <a:p>
+            <a:pPr lvl="1"/>
+            <a:r>
+              <a:rPr lang="en-US" dirty="0"/>
+              <a:t>The theory: customers would be more satisfied if the employee they worked with came from the same region, which would lead to them submitting more orders.</a:t>
+            </a:r>
+          </a:p>
+          <a:p>
+            <a:pPr lvl="1"/>
+            <a:endParaRPr lang="en-US" dirty="0"/>
+          </a:p>
+          <a:p>
+            <a:r>
+              <a:rPr lang="en-US" dirty="0"/>
+              <a:t>I found no evidence that such a relationship exists.</a:t>
+            </a:r>
+          </a:p>
+        </p:txBody>
+      </p:sp>
+    </p:spTree>
+    <p:extLst>
+      <p:ext uri="{BB962C8B-B14F-4D97-AF65-F5344CB8AC3E}">
+        <p14:creationId xmlns:p14="http://schemas.microsoft.com/office/powerpoint/2010/main" val="3850965936"/>
+      </p:ext>
+    </p:extLst>
+  </p:cSld>
+  <p:clrMapOvr>
+    <a:masterClrMapping/>
+  </p:clrMapOvr>
+</p:sld>
+</file>
+
+<file path=ppt/slides/slide7.xml><?xml version="1.0" encoding="utf-8"?>
+<p:sld xmlns:a="http://schemas.openxmlformats.org/drawingml/2006/main" xmlns:r="http://schemas.openxmlformats.org/officeDocument/2006/relationships" xmlns:p="http://schemas.openxmlformats.org/presentationml/2006/main">
+  <p:cSld>
+    <p:spTree>
+      <p:nvGrpSpPr>
+        <p:cNvPr id="1" name=""/>
+        <p:cNvGrpSpPr/>
+        <p:nvPr/>
+      </p:nvGrpSpPr>
+      <p:grpSpPr>
+        <a:xfrm>
+          <a:off x="0" y="0"/>
+          <a:ext cx="0" cy="0"/>
+          <a:chOff x="0" y="0"/>
+          <a:chExt cx="0" cy="0"/>
+        </a:xfrm>
+      </p:grpSpPr>
+      <p:sp>
+        <p:nvSpPr>
+          <p:cNvPr id="2" name="Title 1">
+            <a:extLst>
+              <a:ext uri="{FF2B5EF4-FFF2-40B4-BE49-F238E27FC236}">
                 <a16:creationId xmlns:a16="http://schemas.microsoft.com/office/drawing/2014/main" id="{86B79F8D-01AE-4D3A-ADEF-2779F0A99B21}"/>
               </a:ext>
             </a:extLst>
@@ -7223,16 +8331,37 @@
           <a:p>
             <a:r>
               <a:rPr lang="en-US" dirty="0"/>
-              <a:t>Data available from King County about house sales can be used to predict house prices fairly well.</a:t>
-            </a:r>
-          </a:p>
-          <a:p>
-            <a:endParaRPr lang="en-US" dirty="0"/>
-          </a:p>
-          <a:p>
+              <a:t>Discounts of any size may be helpful for increasing purchase quantity for discounted products. </a:t>
+            </a:r>
+          </a:p>
+          <a:p>
+            <a:pPr lvl="1"/>
             <a:r>
               <a:rPr lang="en-US" dirty="0"/>
-              <a:t>Future analyses using more sophisticated modeling approaches may provide even more predictive power.</a:t>
+              <a:t>This may be helpful for increasing sales volume, particularly for products that you want to offload more quickly.</a:t>
+            </a:r>
+          </a:p>
+          <a:p>
+            <a:endParaRPr lang="en-US" dirty="0"/>
+          </a:p>
+          <a:p>
+            <a:r>
+              <a:rPr lang="en-US" dirty="0"/>
+              <a:t>Employees in the British Isles are bringing in less revenue than their counterparts in North America</a:t>
+            </a:r>
+          </a:p>
+          <a:p>
+            <a:pPr lvl="1"/>
+            <a:r>
+              <a:rPr lang="en-US" dirty="0"/>
+              <a:t>This difference does not seem to be explained by customers in those regions.</a:t>
+            </a:r>
+          </a:p>
+          <a:p>
+            <a:pPr lvl="1"/>
+            <a:r>
+              <a:rPr lang="en-US" dirty="0"/>
+              <a:t>Consider providing additional support to the British Isles employees, or re-allocating sales from other regions to them.</a:t>
             </a:r>
           </a:p>
           <a:p>
